--- a/.github/resources/file_finder_pyqt_ru-RU.pptx
+++ b/.github/resources/file_finder_pyqt_ru-RU.pptx
@@ -108,6 +108,11 @@
       </a:defRPr>
     </a:lvl9pPr>
   </p:defaultTextStyle>
+  <p:extLst>
+    <p:ext uri="{EFAFB233-063F-42B5-8137-9DF3F51BA10A}">
+      <p15:sldGuideLst xmlns:p15="http://schemas.microsoft.com/office/powerpoint/2012/main"/>
+    </p:ext>
+  </p:extLst>
 </p:presentation>
 </file>
 
@@ -3580,8 +3585,12 @@
               <a:t>Использование </a:t>
             </a:r>
             <a:r>
+              <a:rPr lang="en-US" i="1" dirty="0"/>
+              <a:t>Material UI 2</a:t>
+            </a:r>
+            <a:r>
               <a:rPr lang="en-US" dirty="0"/>
-              <a:t>Material UI 2 – </a:t>
+              <a:t> – </a:t>
             </a:r>
             <a:r>
               <a:rPr lang="ru-RU" dirty="0"/>
@@ -3608,10 +3617,10 @@
               <a:t>а, разработанного компанией </a:t>
             </a:r>
             <a:r>
-              <a:rPr lang="en-US" dirty="0"/>
+              <a:rPr lang="en-US" i="1" dirty="0"/>
               <a:t>Google</a:t>
             </a:r>
-            <a:endParaRPr lang="ru-RU" dirty="0"/>
+            <a:endParaRPr lang="ru-RU" i="1" dirty="0"/>
           </a:p>
           <a:p>
             <a:r>

--- a/.github/resources/file_finder_pyqt_ru-RU.pptx
+++ b/.github/resources/file_finder_pyqt_ru-RU.pptx
@@ -10,6 +10,7 @@
     <p:sldId id="258" r:id="rId4"/>
     <p:sldId id="259" r:id="rId5"/>
     <p:sldId id="260" r:id="rId6"/>
+    <p:sldId id="261" r:id="rId7"/>
   </p:sldIdLst>
   <p:sldSz cx="12192000" cy="6858000"/>
   <p:notesSz cx="6858000" cy="9144000"/>
@@ -3989,6 +3990,111 @@
 </p:sld>
 </file>
 
+<file path=ppt/slides/slide6.xml><?xml version="1.0" encoding="utf-8"?>
+<p:sld xmlns:a="http://schemas.openxmlformats.org/drawingml/2006/main" xmlns:r="http://schemas.openxmlformats.org/officeDocument/2006/relationships" xmlns:p="http://schemas.openxmlformats.org/presentationml/2006/main">
+  <p:cSld>
+    <p:spTree>
+      <p:nvGrpSpPr>
+        <p:cNvPr id="1" name=""/>
+        <p:cNvGrpSpPr/>
+        <p:nvPr/>
+      </p:nvGrpSpPr>
+      <p:grpSpPr>
+        <a:xfrm>
+          <a:off x="0" y="0"/>
+          <a:ext cx="0" cy="0"/>
+          <a:chOff x="0" y="0"/>
+          <a:chExt cx="0" cy="0"/>
+        </a:xfrm>
+      </p:grpSpPr>
+      <p:sp>
+        <p:nvSpPr>
+          <p:cNvPr id="5" name="TextBox 4">
+            <a:extLst>
+              <a:ext uri="{FF2B5EF4-FFF2-40B4-BE49-F238E27FC236}">
+                <a16:creationId xmlns:a16="http://schemas.microsoft.com/office/drawing/2014/main" id="{2B890E3A-A153-998C-82DB-E19923359E2C}"/>
+              </a:ext>
+            </a:extLst>
+          </p:cNvPr>
+          <p:cNvSpPr txBox="1"/>
+          <p:nvPr/>
+        </p:nvSpPr>
+        <p:spPr>
+          <a:xfrm>
+            <a:off x="3047198" y="5884062"/>
+            <a:ext cx="6097604" cy="369332"/>
+          </a:xfrm>
+          <a:prstGeom prst="rect">
+            <a:avLst/>
+          </a:prstGeom>
+          <a:noFill/>
+        </p:spPr>
+        <p:txBody>
+          <a:bodyPr wrap="square">
+            <a:spAutoFit/>
+          </a:bodyPr>
+          <a:lstStyle/>
+          <a:p>
+            <a:pPr algn="ctr"/>
+            <a:r>
+              <a:rPr lang="ru-RU" dirty="0">
+                <a:hlinkClick r:id="rId2"/>
+              </a:rPr>
+              <a:t>https://github.com/Keworker/file-finder-pyqt</a:t>
+            </a:r>
+            <a:endParaRPr lang="ru-RU" dirty="0"/>
+          </a:p>
+        </p:txBody>
+      </p:sp>
+      <p:pic>
+        <p:nvPicPr>
+          <p:cNvPr id="7" name="Рисунок 6" descr="Изображение выглядит как шаблон, текст, шов">
+            <a:extLst>
+              <a:ext uri="{FF2B5EF4-FFF2-40B4-BE49-F238E27FC236}">
+                <a16:creationId xmlns:a16="http://schemas.microsoft.com/office/drawing/2014/main" id="{C068CD74-EC81-2216-EF1A-9F644B805DE9}"/>
+              </a:ext>
+            </a:extLst>
+          </p:cNvPr>
+          <p:cNvPicPr>
+            <a:picLocks noChangeAspect="1"/>
+          </p:cNvPicPr>
+          <p:nvPr/>
+        </p:nvPicPr>
+        <p:blipFill>
+          <a:blip r:embed="rId3">
+            <a:extLst>
+              <a:ext uri="{28A0092B-C50C-407E-A947-70E740481C1C}">
+                <a14:useLocalDpi xmlns:a14="http://schemas.microsoft.com/office/drawing/2010/main" val="0"/>
+              </a:ext>
+            </a:extLst>
+          </a:blip>
+          <a:stretch>
+            <a:fillRect/>
+          </a:stretch>
+        </p:blipFill>
+        <p:spPr>
+          <a:xfrm>
+            <a:off x="3451225" y="594512"/>
+            <a:ext cx="5289550" cy="5289550"/>
+          </a:xfrm>
+          <a:prstGeom prst="rect">
+            <a:avLst/>
+          </a:prstGeom>
+        </p:spPr>
+      </p:pic>
+    </p:spTree>
+    <p:extLst>
+      <p:ext uri="{BB962C8B-B14F-4D97-AF65-F5344CB8AC3E}">
+        <p14:creationId xmlns:p14="http://schemas.microsoft.com/office/powerpoint/2010/main" val="3769200006"/>
+      </p:ext>
+    </p:extLst>
+  </p:cSld>
+  <p:clrMapOvr>
+    <a:masterClrMapping/>
+  </p:clrMapOvr>
+</p:sld>
+</file>
+
 <file path=ppt/theme/theme1.xml><?xml version="1.0" encoding="utf-8"?>
 <a:theme xmlns:a="http://schemas.openxmlformats.org/drawingml/2006/main" name="Тема Office">
   <a:themeElements>
